--- a/ppt 16-9/0710.狐狸虽小莫轻看.pptx
+++ b/ppt 16-9/0710.狐狸虽小莫轻看.pptx
@@ -5,7 +5,7 @@
     <p:sldMasterId id="2147483648" r:id="rId1"/>
   </p:sldMasterIdLst>
   <p:sldIdLst>
-    <p:sldId id="1939" r:id="rId2"/>
+    <p:sldId id="1940" r:id="rId2"/>
   </p:sldIdLst>
   <p:sldSz cx="12192000" cy="6858000"/>
   <p:notesSz cx="6858000" cy="9144000"/>
@@ -129,7 +129,7 @@
           <p:cNvPr id="2" name="标题 1">
             <a:extLst>
               <a:ext uri="{FF2B5EF4-FFF2-40B4-BE49-F238E27FC236}">
-                <a16:creationId xmlns:a16="http://schemas.microsoft.com/office/drawing/2014/main" id="{8CB0298F-4C60-4B9E-885A-0CE562E2DB41}"/>
+                <a16:creationId xmlns:a16="http://schemas.microsoft.com/office/drawing/2014/main" id="{46C25FB9-5006-77D3-D6A2-F21083DFF60C}"/>
               </a:ext>
             </a:extLst>
           </p:cNvPr>
@@ -166,7 +166,7 @@
           <p:cNvPr id="3" name="副标题 2">
             <a:extLst>
               <a:ext uri="{FF2B5EF4-FFF2-40B4-BE49-F238E27FC236}">
-                <a16:creationId xmlns:a16="http://schemas.microsoft.com/office/drawing/2014/main" id="{F53CBCA2-F567-F436-911E-B4C531F0BFBD}"/>
+                <a16:creationId xmlns:a16="http://schemas.microsoft.com/office/drawing/2014/main" id="{42D39C8F-F5EC-9519-4074-EB5F85E4B023}"/>
               </a:ext>
             </a:extLst>
           </p:cNvPr>
@@ -236,7 +236,7 @@
           <p:cNvPr id="4" name="日期占位符 3">
             <a:extLst>
               <a:ext uri="{FF2B5EF4-FFF2-40B4-BE49-F238E27FC236}">
-                <a16:creationId xmlns:a16="http://schemas.microsoft.com/office/drawing/2014/main" id="{BD9CD4FA-14DC-1D93-CC84-BAE76D0A0090}"/>
+                <a16:creationId xmlns:a16="http://schemas.microsoft.com/office/drawing/2014/main" id="{C68FCE85-86FC-C885-AB8F-859821482563}"/>
               </a:ext>
             </a:extLst>
           </p:cNvPr>
@@ -252,7 +252,7 @@
           <a:bodyPr/>
           <a:lstStyle/>
           <a:p>
-            <a:fld id="{65BA2447-CA80-4306-8C90-13B6536E180E}" type="datetimeFigureOut">
+            <a:fld id="{4E07BBE0-E426-4D08-A3D5-D6D90D385B06}" type="datetimeFigureOut">
               <a:rPr lang="zh-CN" altLang="en-US" smtClean="0"/>
               <a:t>2024/3/10</a:t>
             </a:fld>
@@ -265,7 +265,7 @@
           <p:cNvPr id="5" name="页脚占位符 4">
             <a:extLst>
               <a:ext uri="{FF2B5EF4-FFF2-40B4-BE49-F238E27FC236}">
-                <a16:creationId xmlns:a16="http://schemas.microsoft.com/office/drawing/2014/main" id="{CC0E9DC4-4FAC-4C3B-3B04-52692D9F2A70}"/>
+                <a16:creationId xmlns:a16="http://schemas.microsoft.com/office/drawing/2014/main" id="{DF0C5514-34B0-B6DF-26BF-1670C6A6EBC7}"/>
               </a:ext>
             </a:extLst>
           </p:cNvPr>
@@ -290,7 +290,7 @@
           <p:cNvPr id="6" name="灯片编号占位符 5">
             <a:extLst>
               <a:ext uri="{FF2B5EF4-FFF2-40B4-BE49-F238E27FC236}">
-                <a16:creationId xmlns:a16="http://schemas.microsoft.com/office/drawing/2014/main" id="{05B3AF86-7B34-5EB6-12BC-03BF244F727D}"/>
+                <a16:creationId xmlns:a16="http://schemas.microsoft.com/office/drawing/2014/main" id="{902643F9-912D-BCA7-11DA-7690B44D1B59}"/>
               </a:ext>
             </a:extLst>
           </p:cNvPr>
@@ -306,7 +306,7 @@
           <a:bodyPr/>
           <a:lstStyle/>
           <a:p>
-            <a:fld id="{CF4B2C6F-75D2-4C91-8DA1-86381BA35A75}" type="slidenum">
+            <a:fld id="{18D1B659-3A9C-485B-B658-4C9D7E04F176}" type="slidenum">
               <a:rPr lang="zh-CN" altLang="en-US" smtClean="0"/>
               <a:t>‹#›</a:t>
             </a:fld>
@@ -317,7 +317,7 @@
     </p:spTree>
     <p:extLst>
       <p:ext uri="{BB962C8B-B14F-4D97-AF65-F5344CB8AC3E}">
-        <p14:creationId xmlns:p14="http://schemas.microsoft.com/office/powerpoint/2010/main" val="3268973439"/>
+        <p14:creationId xmlns:p14="http://schemas.microsoft.com/office/powerpoint/2010/main" val="4124208092"/>
       </p:ext>
     </p:extLst>
   </p:cSld>
@@ -349,7 +349,7 @@
           <p:cNvPr id="2" name="标题 1">
             <a:extLst>
               <a:ext uri="{FF2B5EF4-FFF2-40B4-BE49-F238E27FC236}">
-                <a16:creationId xmlns:a16="http://schemas.microsoft.com/office/drawing/2014/main" id="{5D4341BD-FDFD-838C-9AAF-24B88490E728}"/>
+                <a16:creationId xmlns:a16="http://schemas.microsoft.com/office/drawing/2014/main" id="{B278B5B1-2BF2-3FA6-5867-1A321D83518B}"/>
               </a:ext>
             </a:extLst>
           </p:cNvPr>
@@ -377,7 +377,7 @@
           <p:cNvPr id="3" name="竖排文字占位符 2">
             <a:extLst>
               <a:ext uri="{FF2B5EF4-FFF2-40B4-BE49-F238E27FC236}">
-                <a16:creationId xmlns:a16="http://schemas.microsoft.com/office/drawing/2014/main" id="{10ECA4CF-D76B-25B4-9432-5199C3990AA7}"/>
+                <a16:creationId xmlns:a16="http://schemas.microsoft.com/office/drawing/2014/main" id="{09A5DAEE-1118-F221-413D-D373F62635B2}"/>
               </a:ext>
             </a:extLst>
           </p:cNvPr>
@@ -434,7 +434,7 @@
           <p:cNvPr id="4" name="日期占位符 3">
             <a:extLst>
               <a:ext uri="{FF2B5EF4-FFF2-40B4-BE49-F238E27FC236}">
-                <a16:creationId xmlns:a16="http://schemas.microsoft.com/office/drawing/2014/main" id="{4CAC7942-1D5F-D082-AB23-0F049151EC53}"/>
+                <a16:creationId xmlns:a16="http://schemas.microsoft.com/office/drawing/2014/main" id="{7AE3E745-F3A0-F362-27F9-E51B83C8A6A9}"/>
               </a:ext>
             </a:extLst>
           </p:cNvPr>
@@ -450,7 +450,7 @@
           <a:bodyPr/>
           <a:lstStyle/>
           <a:p>
-            <a:fld id="{65BA2447-CA80-4306-8C90-13B6536E180E}" type="datetimeFigureOut">
+            <a:fld id="{4E07BBE0-E426-4D08-A3D5-D6D90D385B06}" type="datetimeFigureOut">
               <a:rPr lang="zh-CN" altLang="en-US" smtClean="0"/>
               <a:t>2024/3/10</a:t>
             </a:fld>
@@ -463,7 +463,7 @@
           <p:cNvPr id="5" name="页脚占位符 4">
             <a:extLst>
               <a:ext uri="{FF2B5EF4-FFF2-40B4-BE49-F238E27FC236}">
-                <a16:creationId xmlns:a16="http://schemas.microsoft.com/office/drawing/2014/main" id="{127A4EDA-10DF-6F9D-1D2D-2CA74CEA98FC}"/>
+                <a16:creationId xmlns:a16="http://schemas.microsoft.com/office/drawing/2014/main" id="{4399360C-E7C6-558A-3F66-F2DA53F93DEC}"/>
               </a:ext>
             </a:extLst>
           </p:cNvPr>
@@ -488,7 +488,7 @@
           <p:cNvPr id="6" name="灯片编号占位符 5">
             <a:extLst>
               <a:ext uri="{FF2B5EF4-FFF2-40B4-BE49-F238E27FC236}">
-                <a16:creationId xmlns:a16="http://schemas.microsoft.com/office/drawing/2014/main" id="{EAE85767-71DD-792F-2021-F9139F14625A}"/>
+                <a16:creationId xmlns:a16="http://schemas.microsoft.com/office/drawing/2014/main" id="{68B5489D-37B4-3AFB-5395-2AB4C3C36FDE}"/>
               </a:ext>
             </a:extLst>
           </p:cNvPr>
@@ -504,7 +504,7 @@
           <a:bodyPr/>
           <a:lstStyle/>
           <a:p>
-            <a:fld id="{CF4B2C6F-75D2-4C91-8DA1-86381BA35A75}" type="slidenum">
+            <a:fld id="{18D1B659-3A9C-485B-B658-4C9D7E04F176}" type="slidenum">
               <a:rPr lang="zh-CN" altLang="en-US" smtClean="0"/>
               <a:t>‹#›</a:t>
             </a:fld>
@@ -515,7 +515,7 @@
     </p:spTree>
     <p:extLst>
       <p:ext uri="{BB962C8B-B14F-4D97-AF65-F5344CB8AC3E}">
-        <p14:creationId xmlns:p14="http://schemas.microsoft.com/office/powerpoint/2010/main" val="550710979"/>
+        <p14:creationId xmlns:p14="http://schemas.microsoft.com/office/powerpoint/2010/main" val="3312128234"/>
       </p:ext>
     </p:extLst>
   </p:cSld>
@@ -547,7 +547,7 @@
           <p:cNvPr id="2" name="竖排标题 1">
             <a:extLst>
               <a:ext uri="{FF2B5EF4-FFF2-40B4-BE49-F238E27FC236}">
-                <a16:creationId xmlns:a16="http://schemas.microsoft.com/office/drawing/2014/main" id="{28530768-5F39-DBAB-53E8-1F095C37FFB6}"/>
+                <a16:creationId xmlns:a16="http://schemas.microsoft.com/office/drawing/2014/main" id="{0037EF50-DF47-7ECC-6D44-342B9513733A}"/>
               </a:ext>
             </a:extLst>
           </p:cNvPr>
@@ -580,7 +580,7 @@
           <p:cNvPr id="3" name="竖排文字占位符 2">
             <a:extLst>
               <a:ext uri="{FF2B5EF4-FFF2-40B4-BE49-F238E27FC236}">
-                <a16:creationId xmlns:a16="http://schemas.microsoft.com/office/drawing/2014/main" id="{9A135BF4-74E4-A734-E20D-563AA0043E44}"/>
+                <a16:creationId xmlns:a16="http://schemas.microsoft.com/office/drawing/2014/main" id="{2031B8DB-2E3A-D9CA-A899-E3B86A7BC1C8}"/>
               </a:ext>
             </a:extLst>
           </p:cNvPr>
@@ -642,7 +642,7 @@
           <p:cNvPr id="4" name="日期占位符 3">
             <a:extLst>
               <a:ext uri="{FF2B5EF4-FFF2-40B4-BE49-F238E27FC236}">
-                <a16:creationId xmlns:a16="http://schemas.microsoft.com/office/drawing/2014/main" id="{B89A132B-DEAA-CC20-4F1B-D0E0A176B5BF}"/>
+                <a16:creationId xmlns:a16="http://schemas.microsoft.com/office/drawing/2014/main" id="{8F95000A-54D8-4C70-FBB8-FFF3F1D10236}"/>
               </a:ext>
             </a:extLst>
           </p:cNvPr>
@@ -658,7 +658,7 @@
           <a:bodyPr/>
           <a:lstStyle/>
           <a:p>
-            <a:fld id="{65BA2447-CA80-4306-8C90-13B6536E180E}" type="datetimeFigureOut">
+            <a:fld id="{4E07BBE0-E426-4D08-A3D5-D6D90D385B06}" type="datetimeFigureOut">
               <a:rPr lang="zh-CN" altLang="en-US" smtClean="0"/>
               <a:t>2024/3/10</a:t>
             </a:fld>
@@ -671,7 +671,7 @@
           <p:cNvPr id="5" name="页脚占位符 4">
             <a:extLst>
               <a:ext uri="{FF2B5EF4-FFF2-40B4-BE49-F238E27FC236}">
-                <a16:creationId xmlns:a16="http://schemas.microsoft.com/office/drawing/2014/main" id="{24D00C9D-02FD-AB2F-0F1B-8F3849760EFF}"/>
+                <a16:creationId xmlns:a16="http://schemas.microsoft.com/office/drawing/2014/main" id="{329F3BAA-8E28-00AD-4334-CCBD89C66817}"/>
               </a:ext>
             </a:extLst>
           </p:cNvPr>
@@ -696,7 +696,7 @@
           <p:cNvPr id="6" name="灯片编号占位符 5">
             <a:extLst>
               <a:ext uri="{FF2B5EF4-FFF2-40B4-BE49-F238E27FC236}">
-                <a16:creationId xmlns:a16="http://schemas.microsoft.com/office/drawing/2014/main" id="{4BAC0E30-EEB1-E03C-7C64-701FB95CD9F3}"/>
+                <a16:creationId xmlns:a16="http://schemas.microsoft.com/office/drawing/2014/main" id="{6CA1B3DE-D465-5474-8CAA-735CA78C7541}"/>
               </a:ext>
             </a:extLst>
           </p:cNvPr>
@@ -712,7 +712,7 @@
           <a:bodyPr/>
           <a:lstStyle/>
           <a:p>
-            <a:fld id="{CF4B2C6F-75D2-4C91-8DA1-86381BA35A75}" type="slidenum">
+            <a:fld id="{18D1B659-3A9C-485B-B658-4C9D7E04F176}" type="slidenum">
               <a:rPr lang="zh-CN" altLang="en-US" smtClean="0"/>
               <a:t>‹#›</a:t>
             </a:fld>
@@ -723,7 +723,7 @@
     </p:spTree>
     <p:extLst>
       <p:ext uri="{BB962C8B-B14F-4D97-AF65-F5344CB8AC3E}">
-        <p14:creationId xmlns:p14="http://schemas.microsoft.com/office/powerpoint/2010/main" val="65587996"/>
+        <p14:creationId xmlns:p14="http://schemas.microsoft.com/office/powerpoint/2010/main" val="299213103"/>
       </p:ext>
     </p:extLst>
   </p:cSld>
@@ -755,7 +755,7 @@
           <p:cNvPr id="2" name="标题 1">
             <a:extLst>
               <a:ext uri="{FF2B5EF4-FFF2-40B4-BE49-F238E27FC236}">
-                <a16:creationId xmlns:a16="http://schemas.microsoft.com/office/drawing/2014/main" id="{72BEF25B-E56F-E9D6-7983-82EDF6E1FD0E}"/>
+                <a16:creationId xmlns:a16="http://schemas.microsoft.com/office/drawing/2014/main" id="{D7A5A019-D1A5-E9D1-CB4A-D091E7B97689}"/>
               </a:ext>
             </a:extLst>
           </p:cNvPr>
@@ -783,7 +783,7 @@
           <p:cNvPr id="3" name="内容占位符 2">
             <a:extLst>
               <a:ext uri="{FF2B5EF4-FFF2-40B4-BE49-F238E27FC236}">
-                <a16:creationId xmlns:a16="http://schemas.microsoft.com/office/drawing/2014/main" id="{F4EB493A-6FDA-0EA0-345A-FCE73BEA9C30}"/>
+                <a16:creationId xmlns:a16="http://schemas.microsoft.com/office/drawing/2014/main" id="{6969143D-F159-2FBC-EC5C-75899B50D305}"/>
               </a:ext>
             </a:extLst>
           </p:cNvPr>
@@ -840,7 +840,7 @@
           <p:cNvPr id="4" name="日期占位符 3">
             <a:extLst>
               <a:ext uri="{FF2B5EF4-FFF2-40B4-BE49-F238E27FC236}">
-                <a16:creationId xmlns:a16="http://schemas.microsoft.com/office/drawing/2014/main" id="{A90C9910-6A8F-1D74-61F7-E39EE6DEE578}"/>
+                <a16:creationId xmlns:a16="http://schemas.microsoft.com/office/drawing/2014/main" id="{2C930016-1825-BFB6-214E-C2D40C65B3E1}"/>
               </a:ext>
             </a:extLst>
           </p:cNvPr>
@@ -856,7 +856,7 @@
           <a:bodyPr/>
           <a:lstStyle/>
           <a:p>
-            <a:fld id="{65BA2447-CA80-4306-8C90-13B6536E180E}" type="datetimeFigureOut">
+            <a:fld id="{4E07BBE0-E426-4D08-A3D5-D6D90D385B06}" type="datetimeFigureOut">
               <a:rPr lang="zh-CN" altLang="en-US" smtClean="0"/>
               <a:t>2024/3/10</a:t>
             </a:fld>
@@ -869,7 +869,7 @@
           <p:cNvPr id="5" name="页脚占位符 4">
             <a:extLst>
               <a:ext uri="{FF2B5EF4-FFF2-40B4-BE49-F238E27FC236}">
-                <a16:creationId xmlns:a16="http://schemas.microsoft.com/office/drawing/2014/main" id="{0C3A10FE-B5BE-81BC-928F-865EA95D8CB7}"/>
+                <a16:creationId xmlns:a16="http://schemas.microsoft.com/office/drawing/2014/main" id="{AAAC8975-CE62-D1A5-239D-0678860C8AA8}"/>
               </a:ext>
             </a:extLst>
           </p:cNvPr>
@@ -894,7 +894,7 @@
           <p:cNvPr id="6" name="灯片编号占位符 5">
             <a:extLst>
               <a:ext uri="{FF2B5EF4-FFF2-40B4-BE49-F238E27FC236}">
-                <a16:creationId xmlns:a16="http://schemas.microsoft.com/office/drawing/2014/main" id="{CB5E43D0-25D2-0DD4-C297-EF2CBED20C21}"/>
+                <a16:creationId xmlns:a16="http://schemas.microsoft.com/office/drawing/2014/main" id="{42E1C7CC-436F-4227-E484-D5950A4CA8EA}"/>
               </a:ext>
             </a:extLst>
           </p:cNvPr>
@@ -910,7 +910,7 @@
           <a:bodyPr/>
           <a:lstStyle/>
           <a:p>
-            <a:fld id="{CF4B2C6F-75D2-4C91-8DA1-86381BA35A75}" type="slidenum">
+            <a:fld id="{18D1B659-3A9C-485B-B658-4C9D7E04F176}" type="slidenum">
               <a:rPr lang="zh-CN" altLang="en-US" smtClean="0"/>
               <a:t>‹#›</a:t>
             </a:fld>
@@ -921,7 +921,7 @@
     </p:spTree>
     <p:extLst>
       <p:ext uri="{BB962C8B-B14F-4D97-AF65-F5344CB8AC3E}">
-        <p14:creationId xmlns:p14="http://schemas.microsoft.com/office/powerpoint/2010/main" val="2283622296"/>
+        <p14:creationId xmlns:p14="http://schemas.microsoft.com/office/powerpoint/2010/main" val="2250099441"/>
       </p:ext>
     </p:extLst>
   </p:cSld>
@@ -953,7 +953,7 @@
           <p:cNvPr id="2" name="标题 1">
             <a:extLst>
               <a:ext uri="{FF2B5EF4-FFF2-40B4-BE49-F238E27FC236}">
-                <a16:creationId xmlns:a16="http://schemas.microsoft.com/office/drawing/2014/main" id="{D87E3FA3-F59D-146E-C177-C29F14978235}"/>
+                <a16:creationId xmlns:a16="http://schemas.microsoft.com/office/drawing/2014/main" id="{E97B72AB-65A5-5910-08FB-A1A95D0FD477}"/>
               </a:ext>
             </a:extLst>
           </p:cNvPr>
@@ -990,7 +990,7 @@
           <p:cNvPr id="3" name="文本占位符 2">
             <a:extLst>
               <a:ext uri="{FF2B5EF4-FFF2-40B4-BE49-F238E27FC236}">
-                <a16:creationId xmlns:a16="http://schemas.microsoft.com/office/drawing/2014/main" id="{8A4D1D74-6866-B85D-A5DC-0EB302592F36}"/>
+                <a16:creationId xmlns:a16="http://schemas.microsoft.com/office/drawing/2014/main" id="{10FB04D7-3C98-87B5-B0B6-80877294E58A}"/>
               </a:ext>
             </a:extLst>
           </p:cNvPr>
@@ -1115,7 +1115,7 @@
           <p:cNvPr id="4" name="日期占位符 3">
             <a:extLst>
               <a:ext uri="{FF2B5EF4-FFF2-40B4-BE49-F238E27FC236}">
-                <a16:creationId xmlns:a16="http://schemas.microsoft.com/office/drawing/2014/main" id="{7C51B89C-F848-3796-CF73-E63587E0A691}"/>
+                <a16:creationId xmlns:a16="http://schemas.microsoft.com/office/drawing/2014/main" id="{F72083A0-5564-578E-F685-8AF36A13ED77}"/>
               </a:ext>
             </a:extLst>
           </p:cNvPr>
@@ -1131,7 +1131,7 @@
           <a:bodyPr/>
           <a:lstStyle/>
           <a:p>
-            <a:fld id="{65BA2447-CA80-4306-8C90-13B6536E180E}" type="datetimeFigureOut">
+            <a:fld id="{4E07BBE0-E426-4D08-A3D5-D6D90D385B06}" type="datetimeFigureOut">
               <a:rPr lang="zh-CN" altLang="en-US" smtClean="0"/>
               <a:t>2024/3/10</a:t>
             </a:fld>
@@ -1144,7 +1144,7 @@
           <p:cNvPr id="5" name="页脚占位符 4">
             <a:extLst>
               <a:ext uri="{FF2B5EF4-FFF2-40B4-BE49-F238E27FC236}">
-                <a16:creationId xmlns:a16="http://schemas.microsoft.com/office/drawing/2014/main" id="{721D7B6C-5E29-AA85-BBFE-672DAEE5A68C}"/>
+                <a16:creationId xmlns:a16="http://schemas.microsoft.com/office/drawing/2014/main" id="{A04DE286-305F-16ED-40D0-CDD2789F140D}"/>
               </a:ext>
             </a:extLst>
           </p:cNvPr>
@@ -1169,7 +1169,7 @@
           <p:cNvPr id="6" name="灯片编号占位符 5">
             <a:extLst>
               <a:ext uri="{FF2B5EF4-FFF2-40B4-BE49-F238E27FC236}">
-                <a16:creationId xmlns:a16="http://schemas.microsoft.com/office/drawing/2014/main" id="{F42123CC-18BA-1AA2-3A2A-9B9646C47147}"/>
+                <a16:creationId xmlns:a16="http://schemas.microsoft.com/office/drawing/2014/main" id="{AA2604A3-5555-0A5A-EAF4-66C55BD9210A}"/>
               </a:ext>
             </a:extLst>
           </p:cNvPr>
@@ -1185,7 +1185,7 @@
           <a:bodyPr/>
           <a:lstStyle/>
           <a:p>
-            <a:fld id="{CF4B2C6F-75D2-4C91-8DA1-86381BA35A75}" type="slidenum">
+            <a:fld id="{18D1B659-3A9C-485B-B658-4C9D7E04F176}" type="slidenum">
               <a:rPr lang="zh-CN" altLang="en-US" smtClean="0"/>
               <a:t>‹#›</a:t>
             </a:fld>
@@ -1196,7 +1196,7 @@
     </p:spTree>
     <p:extLst>
       <p:ext uri="{BB962C8B-B14F-4D97-AF65-F5344CB8AC3E}">
-        <p14:creationId xmlns:p14="http://schemas.microsoft.com/office/powerpoint/2010/main" val="4239268010"/>
+        <p14:creationId xmlns:p14="http://schemas.microsoft.com/office/powerpoint/2010/main" val="3083767223"/>
       </p:ext>
     </p:extLst>
   </p:cSld>
@@ -1228,7 +1228,7 @@
           <p:cNvPr id="2" name="标题 1">
             <a:extLst>
               <a:ext uri="{FF2B5EF4-FFF2-40B4-BE49-F238E27FC236}">
-                <a16:creationId xmlns:a16="http://schemas.microsoft.com/office/drawing/2014/main" id="{2AA7A7C7-AF34-6B64-0597-953DD469C9CE}"/>
+                <a16:creationId xmlns:a16="http://schemas.microsoft.com/office/drawing/2014/main" id="{3F89DB3F-2319-37E1-17EC-BB7B7C46F705}"/>
               </a:ext>
             </a:extLst>
           </p:cNvPr>
@@ -1256,7 +1256,7 @@
           <p:cNvPr id="3" name="内容占位符 2">
             <a:extLst>
               <a:ext uri="{FF2B5EF4-FFF2-40B4-BE49-F238E27FC236}">
-                <a16:creationId xmlns:a16="http://schemas.microsoft.com/office/drawing/2014/main" id="{7A407274-9656-2BD9-58AE-01315A35F403}"/>
+                <a16:creationId xmlns:a16="http://schemas.microsoft.com/office/drawing/2014/main" id="{AE6C9F46-EF98-612B-39B7-67704F75D02C}"/>
               </a:ext>
             </a:extLst>
           </p:cNvPr>
@@ -1318,7 +1318,7 @@
           <p:cNvPr id="4" name="内容占位符 3">
             <a:extLst>
               <a:ext uri="{FF2B5EF4-FFF2-40B4-BE49-F238E27FC236}">
-                <a16:creationId xmlns:a16="http://schemas.microsoft.com/office/drawing/2014/main" id="{55F40B4A-4F2A-EED9-104C-2F6ACF43286E}"/>
+                <a16:creationId xmlns:a16="http://schemas.microsoft.com/office/drawing/2014/main" id="{38E793FA-27AB-BAC0-853D-27A569DE2A4C}"/>
               </a:ext>
             </a:extLst>
           </p:cNvPr>
@@ -1380,7 +1380,7 @@
           <p:cNvPr id="5" name="日期占位符 4">
             <a:extLst>
               <a:ext uri="{FF2B5EF4-FFF2-40B4-BE49-F238E27FC236}">
-                <a16:creationId xmlns:a16="http://schemas.microsoft.com/office/drawing/2014/main" id="{01064E6B-626D-6C3E-DFDC-24611665C964}"/>
+                <a16:creationId xmlns:a16="http://schemas.microsoft.com/office/drawing/2014/main" id="{FF65FF94-E920-D719-48C8-CD68FFD9D29E}"/>
               </a:ext>
             </a:extLst>
           </p:cNvPr>
@@ -1396,7 +1396,7 @@
           <a:bodyPr/>
           <a:lstStyle/>
           <a:p>
-            <a:fld id="{65BA2447-CA80-4306-8C90-13B6536E180E}" type="datetimeFigureOut">
+            <a:fld id="{4E07BBE0-E426-4D08-A3D5-D6D90D385B06}" type="datetimeFigureOut">
               <a:rPr lang="zh-CN" altLang="en-US" smtClean="0"/>
               <a:t>2024/3/10</a:t>
             </a:fld>
@@ -1409,7 +1409,7 @@
           <p:cNvPr id="6" name="页脚占位符 5">
             <a:extLst>
               <a:ext uri="{FF2B5EF4-FFF2-40B4-BE49-F238E27FC236}">
-                <a16:creationId xmlns:a16="http://schemas.microsoft.com/office/drawing/2014/main" id="{A91747D3-E7BD-FE5C-0EAB-671F56FE7225}"/>
+                <a16:creationId xmlns:a16="http://schemas.microsoft.com/office/drawing/2014/main" id="{2E291B3A-F4EC-4D5B-6EBA-536064A94697}"/>
               </a:ext>
             </a:extLst>
           </p:cNvPr>
@@ -1434,7 +1434,7 @@
           <p:cNvPr id="7" name="灯片编号占位符 6">
             <a:extLst>
               <a:ext uri="{FF2B5EF4-FFF2-40B4-BE49-F238E27FC236}">
-                <a16:creationId xmlns:a16="http://schemas.microsoft.com/office/drawing/2014/main" id="{A60243D6-9534-E5D4-E045-F6BBDB64D0AC}"/>
+                <a16:creationId xmlns:a16="http://schemas.microsoft.com/office/drawing/2014/main" id="{DE2F32FA-D25D-0FDC-7325-F14C7D629806}"/>
               </a:ext>
             </a:extLst>
           </p:cNvPr>
@@ -1450,7 +1450,7 @@
           <a:bodyPr/>
           <a:lstStyle/>
           <a:p>
-            <a:fld id="{CF4B2C6F-75D2-4C91-8DA1-86381BA35A75}" type="slidenum">
+            <a:fld id="{18D1B659-3A9C-485B-B658-4C9D7E04F176}" type="slidenum">
               <a:rPr lang="zh-CN" altLang="en-US" smtClean="0"/>
               <a:t>‹#›</a:t>
             </a:fld>
@@ -1461,7 +1461,7 @@
     </p:spTree>
     <p:extLst>
       <p:ext uri="{BB962C8B-B14F-4D97-AF65-F5344CB8AC3E}">
-        <p14:creationId xmlns:p14="http://schemas.microsoft.com/office/powerpoint/2010/main" val="2097168574"/>
+        <p14:creationId xmlns:p14="http://schemas.microsoft.com/office/powerpoint/2010/main" val="206243896"/>
       </p:ext>
     </p:extLst>
   </p:cSld>
@@ -1493,7 +1493,7 @@
           <p:cNvPr id="2" name="标题 1">
             <a:extLst>
               <a:ext uri="{FF2B5EF4-FFF2-40B4-BE49-F238E27FC236}">
-                <a16:creationId xmlns:a16="http://schemas.microsoft.com/office/drawing/2014/main" id="{A645DF42-0FB7-77A8-AA2E-0FAE21ADA13A}"/>
+                <a16:creationId xmlns:a16="http://schemas.microsoft.com/office/drawing/2014/main" id="{84FD2DE2-842F-F56F-FDC3-F2D8D41979B2}"/>
               </a:ext>
             </a:extLst>
           </p:cNvPr>
@@ -1526,7 +1526,7 @@
           <p:cNvPr id="3" name="文本占位符 2">
             <a:extLst>
               <a:ext uri="{FF2B5EF4-FFF2-40B4-BE49-F238E27FC236}">
-                <a16:creationId xmlns:a16="http://schemas.microsoft.com/office/drawing/2014/main" id="{A3E915B1-A9E6-7BBA-2077-0050034AFF13}"/>
+                <a16:creationId xmlns:a16="http://schemas.microsoft.com/office/drawing/2014/main" id="{D2E08678-B903-E986-DC0F-D223AAC89879}"/>
               </a:ext>
             </a:extLst>
           </p:cNvPr>
@@ -1597,7 +1597,7 @@
           <p:cNvPr id="4" name="内容占位符 3">
             <a:extLst>
               <a:ext uri="{FF2B5EF4-FFF2-40B4-BE49-F238E27FC236}">
-                <a16:creationId xmlns:a16="http://schemas.microsoft.com/office/drawing/2014/main" id="{ED155B8E-08F0-CA3C-E6D5-86B8E36FEC1C}"/>
+                <a16:creationId xmlns:a16="http://schemas.microsoft.com/office/drawing/2014/main" id="{8244C5C6-FA2B-18BC-E657-93B490E80429}"/>
               </a:ext>
             </a:extLst>
           </p:cNvPr>
@@ -1659,7 +1659,7 @@
           <p:cNvPr id="5" name="文本占位符 4">
             <a:extLst>
               <a:ext uri="{FF2B5EF4-FFF2-40B4-BE49-F238E27FC236}">
-                <a16:creationId xmlns:a16="http://schemas.microsoft.com/office/drawing/2014/main" id="{23FD3093-0BE8-CE1E-D43A-53574271B569}"/>
+                <a16:creationId xmlns:a16="http://schemas.microsoft.com/office/drawing/2014/main" id="{57552121-D964-CCB9-A6D4-00EE3F6F3BFD}"/>
               </a:ext>
             </a:extLst>
           </p:cNvPr>
@@ -1730,7 +1730,7 @@
           <p:cNvPr id="6" name="内容占位符 5">
             <a:extLst>
               <a:ext uri="{FF2B5EF4-FFF2-40B4-BE49-F238E27FC236}">
-                <a16:creationId xmlns:a16="http://schemas.microsoft.com/office/drawing/2014/main" id="{36216AB5-C6A6-C192-504A-298CB9606690}"/>
+                <a16:creationId xmlns:a16="http://schemas.microsoft.com/office/drawing/2014/main" id="{4381CFE3-3FA1-9676-1415-5496586A3701}"/>
               </a:ext>
             </a:extLst>
           </p:cNvPr>
@@ -1792,7 +1792,7 @@
           <p:cNvPr id="7" name="日期占位符 6">
             <a:extLst>
               <a:ext uri="{FF2B5EF4-FFF2-40B4-BE49-F238E27FC236}">
-                <a16:creationId xmlns:a16="http://schemas.microsoft.com/office/drawing/2014/main" id="{64A55D19-A1C4-2D13-CF9C-B7BA97D7BADB}"/>
+                <a16:creationId xmlns:a16="http://schemas.microsoft.com/office/drawing/2014/main" id="{ECF3203F-2FBE-EA3A-4BAA-D46B0186FDE9}"/>
               </a:ext>
             </a:extLst>
           </p:cNvPr>
@@ -1808,7 +1808,7 @@
           <a:bodyPr/>
           <a:lstStyle/>
           <a:p>
-            <a:fld id="{65BA2447-CA80-4306-8C90-13B6536E180E}" type="datetimeFigureOut">
+            <a:fld id="{4E07BBE0-E426-4D08-A3D5-D6D90D385B06}" type="datetimeFigureOut">
               <a:rPr lang="zh-CN" altLang="en-US" smtClean="0"/>
               <a:t>2024/3/10</a:t>
             </a:fld>
@@ -1821,7 +1821,7 @@
           <p:cNvPr id="8" name="页脚占位符 7">
             <a:extLst>
               <a:ext uri="{FF2B5EF4-FFF2-40B4-BE49-F238E27FC236}">
-                <a16:creationId xmlns:a16="http://schemas.microsoft.com/office/drawing/2014/main" id="{D2C4A298-DEC9-35F3-296C-325FAC15DD5F}"/>
+                <a16:creationId xmlns:a16="http://schemas.microsoft.com/office/drawing/2014/main" id="{ED8F74E1-DBB6-10B3-39E5-CE669BF5B7DF}"/>
               </a:ext>
             </a:extLst>
           </p:cNvPr>
@@ -1846,7 +1846,7 @@
           <p:cNvPr id="9" name="灯片编号占位符 8">
             <a:extLst>
               <a:ext uri="{FF2B5EF4-FFF2-40B4-BE49-F238E27FC236}">
-                <a16:creationId xmlns:a16="http://schemas.microsoft.com/office/drawing/2014/main" id="{E56E272E-4CFB-7C47-F458-A491D8BC150E}"/>
+                <a16:creationId xmlns:a16="http://schemas.microsoft.com/office/drawing/2014/main" id="{84D2973B-EAD8-6F09-69AC-A5BF35806487}"/>
               </a:ext>
             </a:extLst>
           </p:cNvPr>
@@ -1862,7 +1862,7 @@
           <a:bodyPr/>
           <a:lstStyle/>
           <a:p>
-            <a:fld id="{CF4B2C6F-75D2-4C91-8DA1-86381BA35A75}" type="slidenum">
+            <a:fld id="{18D1B659-3A9C-485B-B658-4C9D7E04F176}" type="slidenum">
               <a:rPr lang="zh-CN" altLang="en-US" smtClean="0"/>
               <a:t>‹#›</a:t>
             </a:fld>
@@ -1873,7 +1873,7 @@
     </p:spTree>
     <p:extLst>
       <p:ext uri="{BB962C8B-B14F-4D97-AF65-F5344CB8AC3E}">
-        <p14:creationId xmlns:p14="http://schemas.microsoft.com/office/powerpoint/2010/main" val="2798124814"/>
+        <p14:creationId xmlns:p14="http://schemas.microsoft.com/office/powerpoint/2010/main" val="811179778"/>
       </p:ext>
     </p:extLst>
   </p:cSld>
@@ -1905,7 +1905,7 @@
           <p:cNvPr id="2" name="标题 1">
             <a:extLst>
               <a:ext uri="{FF2B5EF4-FFF2-40B4-BE49-F238E27FC236}">
-                <a16:creationId xmlns:a16="http://schemas.microsoft.com/office/drawing/2014/main" id="{507A7EB8-9D9E-4665-C255-5EE531B7AB91}"/>
+                <a16:creationId xmlns:a16="http://schemas.microsoft.com/office/drawing/2014/main" id="{97E4452E-8452-000D-4D2F-2D9FBC7ACEBE}"/>
               </a:ext>
             </a:extLst>
           </p:cNvPr>
@@ -1933,7 +1933,7 @@
           <p:cNvPr id="3" name="日期占位符 2">
             <a:extLst>
               <a:ext uri="{FF2B5EF4-FFF2-40B4-BE49-F238E27FC236}">
-                <a16:creationId xmlns:a16="http://schemas.microsoft.com/office/drawing/2014/main" id="{C280992E-F759-CC01-37F8-A35123C01987}"/>
+                <a16:creationId xmlns:a16="http://schemas.microsoft.com/office/drawing/2014/main" id="{60416932-827F-8E27-CA49-8E8413BC988F}"/>
               </a:ext>
             </a:extLst>
           </p:cNvPr>
@@ -1949,7 +1949,7 @@
           <a:bodyPr/>
           <a:lstStyle/>
           <a:p>
-            <a:fld id="{65BA2447-CA80-4306-8C90-13B6536E180E}" type="datetimeFigureOut">
+            <a:fld id="{4E07BBE0-E426-4D08-A3D5-D6D90D385B06}" type="datetimeFigureOut">
               <a:rPr lang="zh-CN" altLang="en-US" smtClean="0"/>
               <a:t>2024/3/10</a:t>
             </a:fld>
@@ -1962,7 +1962,7 @@
           <p:cNvPr id="4" name="页脚占位符 3">
             <a:extLst>
               <a:ext uri="{FF2B5EF4-FFF2-40B4-BE49-F238E27FC236}">
-                <a16:creationId xmlns:a16="http://schemas.microsoft.com/office/drawing/2014/main" id="{D1197141-4859-CD39-0A2C-45982DF2F9D3}"/>
+                <a16:creationId xmlns:a16="http://schemas.microsoft.com/office/drawing/2014/main" id="{BEA56C6E-4571-BDF6-AD65-429DDB734898}"/>
               </a:ext>
             </a:extLst>
           </p:cNvPr>
@@ -1987,7 +1987,7 @@
           <p:cNvPr id="5" name="灯片编号占位符 4">
             <a:extLst>
               <a:ext uri="{FF2B5EF4-FFF2-40B4-BE49-F238E27FC236}">
-                <a16:creationId xmlns:a16="http://schemas.microsoft.com/office/drawing/2014/main" id="{D1A0415B-1274-C2B5-2550-83DCC9E703E1}"/>
+                <a16:creationId xmlns:a16="http://schemas.microsoft.com/office/drawing/2014/main" id="{E2228290-E6FB-36E9-6402-F59F3C2DFF35}"/>
               </a:ext>
             </a:extLst>
           </p:cNvPr>
@@ -2003,7 +2003,7 @@
           <a:bodyPr/>
           <a:lstStyle/>
           <a:p>
-            <a:fld id="{CF4B2C6F-75D2-4C91-8DA1-86381BA35A75}" type="slidenum">
+            <a:fld id="{18D1B659-3A9C-485B-B658-4C9D7E04F176}" type="slidenum">
               <a:rPr lang="zh-CN" altLang="en-US" smtClean="0"/>
               <a:t>‹#›</a:t>
             </a:fld>
@@ -2014,7 +2014,7 @@
     </p:spTree>
     <p:extLst>
       <p:ext uri="{BB962C8B-B14F-4D97-AF65-F5344CB8AC3E}">
-        <p14:creationId xmlns:p14="http://schemas.microsoft.com/office/powerpoint/2010/main" val="892694830"/>
+        <p14:creationId xmlns:p14="http://schemas.microsoft.com/office/powerpoint/2010/main" val="2410843215"/>
       </p:ext>
     </p:extLst>
   </p:cSld>
@@ -2046,7 +2046,7 @@
           <p:cNvPr id="2" name="日期占位符 1">
             <a:extLst>
               <a:ext uri="{FF2B5EF4-FFF2-40B4-BE49-F238E27FC236}">
-                <a16:creationId xmlns:a16="http://schemas.microsoft.com/office/drawing/2014/main" id="{D162F59B-B9FE-2F75-C45A-B4E5B3625B7A}"/>
+                <a16:creationId xmlns:a16="http://schemas.microsoft.com/office/drawing/2014/main" id="{52ED61D0-BAA5-391F-DF53-27024350C55F}"/>
               </a:ext>
             </a:extLst>
           </p:cNvPr>
@@ -2062,7 +2062,7 @@
           <a:bodyPr/>
           <a:lstStyle/>
           <a:p>
-            <a:fld id="{65BA2447-CA80-4306-8C90-13B6536E180E}" type="datetimeFigureOut">
+            <a:fld id="{4E07BBE0-E426-4D08-A3D5-D6D90D385B06}" type="datetimeFigureOut">
               <a:rPr lang="zh-CN" altLang="en-US" smtClean="0"/>
               <a:t>2024/3/10</a:t>
             </a:fld>
@@ -2075,7 +2075,7 @@
           <p:cNvPr id="3" name="页脚占位符 2">
             <a:extLst>
               <a:ext uri="{FF2B5EF4-FFF2-40B4-BE49-F238E27FC236}">
-                <a16:creationId xmlns:a16="http://schemas.microsoft.com/office/drawing/2014/main" id="{207FE177-B71D-C661-8827-EB5FED3724FF}"/>
+                <a16:creationId xmlns:a16="http://schemas.microsoft.com/office/drawing/2014/main" id="{C13A750F-3226-059C-2339-E825E0910E74}"/>
               </a:ext>
             </a:extLst>
           </p:cNvPr>
@@ -2100,7 +2100,7 @@
           <p:cNvPr id="4" name="灯片编号占位符 3">
             <a:extLst>
               <a:ext uri="{FF2B5EF4-FFF2-40B4-BE49-F238E27FC236}">
-                <a16:creationId xmlns:a16="http://schemas.microsoft.com/office/drawing/2014/main" id="{367BB6AB-2397-4049-C50A-21ABAD88AED4}"/>
+                <a16:creationId xmlns:a16="http://schemas.microsoft.com/office/drawing/2014/main" id="{C6F76327-2853-EC14-148E-772AB790915A}"/>
               </a:ext>
             </a:extLst>
           </p:cNvPr>
@@ -2116,7 +2116,7 @@
           <a:bodyPr/>
           <a:lstStyle/>
           <a:p>
-            <a:fld id="{CF4B2C6F-75D2-4C91-8DA1-86381BA35A75}" type="slidenum">
+            <a:fld id="{18D1B659-3A9C-485B-B658-4C9D7E04F176}" type="slidenum">
               <a:rPr lang="zh-CN" altLang="en-US" smtClean="0"/>
               <a:t>‹#›</a:t>
             </a:fld>
@@ -2127,7 +2127,7 @@
     </p:spTree>
     <p:extLst>
       <p:ext uri="{BB962C8B-B14F-4D97-AF65-F5344CB8AC3E}">
-        <p14:creationId xmlns:p14="http://schemas.microsoft.com/office/powerpoint/2010/main" val="4090621373"/>
+        <p14:creationId xmlns:p14="http://schemas.microsoft.com/office/powerpoint/2010/main" val="2041297893"/>
       </p:ext>
     </p:extLst>
   </p:cSld>
@@ -2159,7 +2159,7 @@
           <p:cNvPr id="2" name="标题 1">
             <a:extLst>
               <a:ext uri="{FF2B5EF4-FFF2-40B4-BE49-F238E27FC236}">
-                <a16:creationId xmlns:a16="http://schemas.microsoft.com/office/drawing/2014/main" id="{8ABBFFE0-601E-7F4D-5317-BD834E20A0F8}"/>
+                <a16:creationId xmlns:a16="http://schemas.microsoft.com/office/drawing/2014/main" id="{AFBD17A8-F8C0-EF32-5EE6-BD88428FB918}"/>
               </a:ext>
             </a:extLst>
           </p:cNvPr>
@@ -2196,7 +2196,7 @@
           <p:cNvPr id="3" name="内容占位符 2">
             <a:extLst>
               <a:ext uri="{FF2B5EF4-FFF2-40B4-BE49-F238E27FC236}">
-                <a16:creationId xmlns:a16="http://schemas.microsoft.com/office/drawing/2014/main" id="{F1B419DF-577A-D064-E435-F1E26DB8D623}"/>
+                <a16:creationId xmlns:a16="http://schemas.microsoft.com/office/drawing/2014/main" id="{4BB91E61-BB2F-63D0-90B2-78BCFEF49DCB}"/>
               </a:ext>
             </a:extLst>
           </p:cNvPr>
@@ -2286,7 +2286,7 @@
           <p:cNvPr id="4" name="文本占位符 3">
             <a:extLst>
               <a:ext uri="{FF2B5EF4-FFF2-40B4-BE49-F238E27FC236}">
-                <a16:creationId xmlns:a16="http://schemas.microsoft.com/office/drawing/2014/main" id="{218F9D42-C9A0-C499-254F-EC72341A8A83}"/>
+                <a16:creationId xmlns:a16="http://schemas.microsoft.com/office/drawing/2014/main" id="{7D1FBF7A-009B-21B6-A942-98EA2B022DCF}"/>
               </a:ext>
             </a:extLst>
           </p:cNvPr>
@@ -2357,7 +2357,7 @@
           <p:cNvPr id="5" name="日期占位符 4">
             <a:extLst>
               <a:ext uri="{FF2B5EF4-FFF2-40B4-BE49-F238E27FC236}">
-                <a16:creationId xmlns:a16="http://schemas.microsoft.com/office/drawing/2014/main" id="{F1EC2C78-E545-E895-A02B-5F148C78E909}"/>
+                <a16:creationId xmlns:a16="http://schemas.microsoft.com/office/drawing/2014/main" id="{42450C3C-4744-FB37-6E52-BBD0ED3781CE}"/>
               </a:ext>
             </a:extLst>
           </p:cNvPr>
@@ -2373,7 +2373,7 @@
           <a:bodyPr/>
           <a:lstStyle/>
           <a:p>
-            <a:fld id="{65BA2447-CA80-4306-8C90-13B6536E180E}" type="datetimeFigureOut">
+            <a:fld id="{4E07BBE0-E426-4D08-A3D5-D6D90D385B06}" type="datetimeFigureOut">
               <a:rPr lang="zh-CN" altLang="en-US" smtClean="0"/>
               <a:t>2024/3/10</a:t>
             </a:fld>
@@ -2386,7 +2386,7 @@
           <p:cNvPr id="6" name="页脚占位符 5">
             <a:extLst>
               <a:ext uri="{FF2B5EF4-FFF2-40B4-BE49-F238E27FC236}">
-                <a16:creationId xmlns:a16="http://schemas.microsoft.com/office/drawing/2014/main" id="{5E12D4E0-0315-CC3D-405B-69580E7FC869}"/>
+                <a16:creationId xmlns:a16="http://schemas.microsoft.com/office/drawing/2014/main" id="{2C6D203E-B6AA-283C-8759-2D1C1E701C42}"/>
               </a:ext>
             </a:extLst>
           </p:cNvPr>
@@ -2411,7 +2411,7 @@
           <p:cNvPr id="7" name="灯片编号占位符 6">
             <a:extLst>
               <a:ext uri="{FF2B5EF4-FFF2-40B4-BE49-F238E27FC236}">
-                <a16:creationId xmlns:a16="http://schemas.microsoft.com/office/drawing/2014/main" id="{B41B7566-B639-0B08-84DC-124B264C8C06}"/>
+                <a16:creationId xmlns:a16="http://schemas.microsoft.com/office/drawing/2014/main" id="{54880AC7-82A0-3629-5026-5E2C162AB949}"/>
               </a:ext>
             </a:extLst>
           </p:cNvPr>
@@ -2427,7 +2427,7 @@
           <a:bodyPr/>
           <a:lstStyle/>
           <a:p>
-            <a:fld id="{CF4B2C6F-75D2-4C91-8DA1-86381BA35A75}" type="slidenum">
+            <a:fld id="{18D1B659-3A9C-485B-B658-4C9D7E04F176}" type="slidenum">
               <a:rPr lang="zh-CN" altLang="en-US" smtClean="0"/>
               <a:t>‹#›</a:t>
             </a:fld>
@@ -2438,7 +2438,7 @@
     </p:spTree>
     <p:extLst>
       <p:ext uri="{BB962C8B-B14F-4D97-AF65-F5344CB8AC3E}">
-        <p14:creationId xmlns:p14="http://schemas.microsoft.com/office/powerpoint/2010/main" val="1478996877"/>
+        <p14:creationId xmlns:p14="http://schemas.microsoft.com/office/powerpoint/2010/main" val="2598335487"/>
       </p:ext>
     </p:extLst>
   </p:cSld>
@@ -2470,7 +2470,7 @@
           <p:cNvPr id="2" name="标题 1">
             <a:extLst>
               <a:ext uri="{FF2B5EF4-FFF2-40B4-BE49-F238E27FC236}">
-                <a16:creationId xmlns:a16="http://schemas.microsoft.com/office/drawing/2014/main" id="{5F5D9857-2CE2-3FAC-FB36-EC53A25274DA}"/>
+                <a16:creationId xmlns:a16="http://schemas.microsoft.com/office/drawing/2014/main" id="{F24CB26D-941C-F770-A098-D4DAB67A1418}"/>
               </a:ext>
             </a:extLst>
           </p:cNvPr>
@@ -2507,7 +2507,7 @@
           <p:cNvPr id="3" name="图片占位符 2">
             <a:extLst>
               <a:ext uri="{FF2B5EF4-FFF2-40B4-BE49-F238E27FC236}">
-                <a16:creationId xmlns:a16="http://schemas.microsoft.com/office/drawing/2014/main" id="{8C1D7D53-E9FE-9ED3-B17C-9D12924BA1DE}"/>
+                <a16:creationId xmlns:a16="http://schemas.microsoft.com/office/drawing/2014/main" id="{31167B70-8EAE-1036-AD37-32FEB1AD20B3}"/>
               </a:ext>
             </a:extLst>
           </p:cNvPr>
@@ -2574,7 +2574,7 @@
           <p:cNvPr id="4" name="文本占位符 3">
             <a:extLst>
               <a:ext uri="{FF2B5EF4-FFF2-40B4-BE49-F238E27FC236}">
-                <a16:creationId xmlns:a16="http://schemas.microsoft.com/office/drawing/2014/main" id="{E91FF09B-FA92-BB12-601A-34B0C9955002}"/>
+                <a16:creationId xmlns:a16="http://schemas.microsoft.com/office/drawing/2014/main" id="{8F0E0E85-F906-16AB-BDF4-30248555107E}"/>
               </a:ext>
             </a:extLst>
           </p:cNvPr>
@@ -2645,7 +2645,7 @@
           <p:cNvPr id="5" name="日期占位符 4">
             <a:extLst>
               <a:ext uri="{FF2B5EF4-FFF2-40B4-BE49-F238E27FC236}">
-                <a16:creationId xmlns:a16="http://schemas.microsoft.com/office/drawing/2014/main" id="{AAAAA1E3-E795-3902-6B68-273D1C048E4D}"/>
+                <a16:creationId xmlns:a16="http://schemas.microsoft.com/office/drawing/2014/main" id="{38363D41-808A-EB6A-AA7E-5C6C108154C9}"/>
               </a:ext>
             </a:extLst>
           </p:cNvPr>
@@ -2661,7 +2661,7 @@
           <a:bodyPr/>
           <a:lstStyle/>
           <a:p>
-            <a:fld id="{65BA2447-CA80-4306-8C90-13B6536E180E}" type="datetimeFigureOut">
+            <a:fld id="{4E07BBE0-E426-4D08-A3D5-D6D90D385B06}" type="datetimeFigureOut">
               <a:rPr lang="zh-CN" altLang="en-US" smtClean="0"/>
               <a:t>2024/3/10</a:t>
             </a:fld>
@@ -2674,7 +2674,7 @@
           <p:cNvPr id="6" name="页脚占位符 5">
             <a:extLst>
               <a:ext uri="{FF2B5EF4-FFF2-40B4-BE49-F238E27FC236}">
-                <a16:creationId xmlns:a16="http://schemas.microsoft.com/office/drawing/2014/main" id="{EF1548C4-C312-B632-CE63-E0083B141631}"/>
+                <a16:creationId xmlns:a16="http://schemas.microsoft.com/office/drawing/2014/main" id="{42EA7C3D-C242-0611-9433-4B588B3255FC}"/>
               </a:ext>
             </a:extLst>
           </p:cNvPr>
@@ -2699,7 +2699,7 @@
           <p:cNvPr id="7" name="灯片编号占位符 6">
             <a:extLst>
               <a:ext uri="{FF2B5EF4-FFF2-40B4-BE49-F238E27FC236}">
-                <a16:creationId xmlns:a16="http://schemas.microsoft.com/office/drawing/2014/main" id="{1577C2C1-5BB8-055A-C31A-DBEEA4EA5C95}"/>
+                <a16:creationId xmlns:a16="http://schemas.microsoft.com/office/drawing/2014/main" id="{CEEF2EB2-0146-5482-8AB5-BF13133715FC}"/>
               </a:ext>
             </a:extLst>
           </p:cNvPr>
@@ -2715,7 +2715,7 @@
           <a:bodyPr/>
           <a:lstStyle/>
           <a:p>
-            <a:fld id="{CF4B2C6F-75D2-4C91-8DA1-86381BA35A75}" type="slidenum">
+            <a:fld id="{18D1B659-3A9C-485B-B658-4C9D7E04F176}" type="slidenum">
               <a:rPr lang="zh-CN" altLang="en-US" smtClean="0"/>
               <a:t>‹#›</a:t>
             </a:fld>
@@ -2726,7 +2726,7 @@
     </p:spTree>
     <p:extLst>
       <p:ext uri="{BB962C8B-B14F-4D97-AF65-F5344CB8AC3E}">
-        <p14:creationId xmlns:p14="http://schemas.microsoft.com/office/powerpoint/2010/main" val="3171942061"/>
+        <p14:creationId xmlns:p14="http://schemas.microsoft.com/office/powerpoint/2010/main" val="1312429007"/>
       </p:ext>
     </p:extLst>
   </p:cSld>
@@ -2763,7 +2763,7 @@
           <p:cNvPr id="2" name="标题占位符 1">
             <a:extLst>
               <a:ext uri="{FF2B5EF4-FFF2-40B4-BE49-F238E27FC236}">
-                <a16:creationId xmlns:a16="http://schemas.microsoft.com/office/drawing/2014/main" id="{6114A1C2-1B44-0BC1-B45B-6415B0B44EAE}"/>
+                <a16:creationId xmlns:a16="http://schemas.microsoft.com/office/drawing/2014/main" id="{85757E82-2B38-293C-45B5-6C35AFDF3EDD}"/>
               </a:ext>
             </a:extLst>
           </p:cNvPr>
@@ -2801,7 +2801,7 @@
           <p:cNvPr id="3" name="文本占位符 2">
             <a:extLst>
               <a:ext uri="{FF2B5EF4-FFF2-40B4-BE49-F238E27FC236}">
-                <a16:creationId xmlns:a16="http://schemas.microsoft.com/office/drawing/2014/main" id="{836CCFEC-7D1A-E859-A779-F64B1802D430}"/>
+                <a16:creationId xmlns:a16="http://schemas.microsoft.com/office/drawing/2014/main" id="{6C24E3BF-1467-DCFA-D154-B5DC9085A596}"/>
               </a:ext>
             </a:extLst>
           </p:cNvPr>
@@ -2868,7 +2868,7 @@
           <p:cNvPr id="4" name="日期占位符 3">
             <a:extLst>
               <a:ext uri="{FF2B5EF4-FFF2-40B4-BE49-F238E27FC236}">
-                <a16:creationId xmlns:a16="http://schemas.microsoft.com/office/drawing/2014/main" id="{5437F74B-B4E1-E73A-A53B-39049762C5AB}"/>
+                <a16:creationId xmlns:a16="http://schemas.microsoft.com/office/drawing/2014/main" id="{859CF0AB-0A8C-FC80-FE46-8D8E8B1327F0}"/>
               </a:ext>
             </a:extLst>
           </p:cNvPr>
@@ -2902,7 +2902,7 @@
             </a:lvl1pPr>
           </a:lstStyle>
           <a:p>
-            <a:fld id="{65BA2447-CA80-4306-8C90-13B6536E180E}" type="datetimeFigureOut">
+            <a:fld id="{4E07BBE0-E426-4D08-A3D5-D6D90D385B06}" type="datetimeFigureOut">
               <a:rPr lang="zh-CN" altLang="en-US" smtClean="0"/>
               <a:t>2024/3/10</a:t>
             </a:fld>
@@ -2915,7 +2915,7 @@
           <p:cNvPr id="5" name="页脚占位符 4">
             <a:extLst>
               <a:ext uri="{FF2B5EF4-FFF2-40B4-BE49-F238E27FC236}">
-                <a16:creationId xmlns:a16="http://schemas.microsoft.com/office/drawing/2014/main" id="{8ACC7436-319B-51AA-9844-779D4487C91A}"/>
+                <a16:creationId xmlns:a16="http://schemas.microsoft.com/office/drawing/2014/main" id="{24CAF2E3-2A3D-4768-0897-41DBDED7EAB6}"/>
               </a:ext>
             </a:extLst>
           </p:cNvPr>
@@ -2958,7 +2958,7 @@
           <p:cNvPr id="6" name="灯片编号占位符 5">
             <a:extLst>
               <a:ext uri="{FF2B5EF4-FFF2-40B4-BE49-F238E27FC236}">
-                <a16:creationId xmlns:a16="http://schemas.microsoft.com/office/drawing/2014/main" id="{53D6F17B-5763-737D-C735-E6FEB4410304}"/>
+                <a16:creationId xmlns:a16="http://schemas.microsoft.com/office/drawing/2014/main" id="{FA61D0E3-776D-14CF-22D3-2F35D4A9F661}"/>
               </a:ext>
             </a:extLst>
           </p:cNvPr>
@@ -2992,7 +2992,7 @@
             </a:lvl1pPr>
           </a:lstStyle>
           <a:p>
-            <a:fld id="{CF4B2C6F-75D2-4C91-8DA1-86381BA35A75}" type="slidenum">
+            <a:fld id="{18D1B659-3A9C-485B-B658-4C9D7E04F176}" type="slidenum">
               <a:rPr lang="zh-CN" altLang="en-US" smtClean="0"/>
               <a:t>‹#›</a:t>
             </a:fld>
@@ -3003,7 +3003,7 @@
     </p:spTree>
     <p:extLst>
       <p:ext uri="{BB962C8B-B14F-4D97-AF65-F5344CB8AC3E}">
-        <p14:creationId xmlns:p14="http://schemas.microsoft.com/office/powerpoint/2010/main" val="2408959076"/>
+        <p14:creationId xmlns:p14="http://schemas.microsoft.com/office/powerpoint/2010/main" val="306666329"/>
       </p:ext>
     </p:extLst>
   </p:cSld>
@@ -3323,7 +3323,7 @@
       </p:grpSpPr>
       <p:pic>
         <p:nvPicPr>
-          <p:cNvPr id="727042" name="Picture 2" descr="709"/>
+          <p:cNvPr id="728066" name="Picture 2" descr="710"/>
           <p:cNvPicPr>
             <a:picLocks noChangeAspect="1" noChangeArrowheads="1"/>
           </p:cNvPicPr>
@@ -3345,7 +3345,7 @@
         <p:spPr bwMode="auto">
           <a:xfrm>
             <a:off x="1524000" y="0"/>
-            <a:ext cx="9144000" cy="5805488"/>
+            <a:ext cx="9144000" cy="6858000"/>
           </a:xfrm>
           <a:prstGeom prst="rect">
             <a:avLst/>
@@ -3375,11 +3375,158 @@
           </a:extLst>
         </p:spPr>
       </p:pic>
+      <p:pic>
+        <p:nvPicPr>
+          <p:cNvPr id="729091" name="Picture 3" descr="710-2"/>
+          <p:cNvPicPr>
+            <a:picLocks noChangeAspect="1" noChangeArrowheads="1"/>
+          </p:cNvPicPr>
+          <p:nvPr/>
+        </p:nvPicPr>
+        <p:blipFill>
+          <a:blip r:embed="rId3">
+            <a:extLst>
+              <a:ext uri="{28A0092B-C50C-407E-A947-70E740481C1C}">
+                <a14:useLocalDpi xmlns:a14="http://schemas.microsoft.com/office/drawing/2010/main" val="0"/>
+              </a:ext>
+            </a:extLst>
+          </a:blip>
+          <a:srcRect/>
+          <a:stretch>
+            <a:fillRect/>
+          </a:stretch>
+        </p:blipFill>
+        <p:spPr bwMode="auto">
+          <a:xfrm>
+            <a:off x="1560513" y="0"/>
+            <a:ext cx="9144000" cy="6858000"/>
+          </a:xfrm>
+          <a:prstGeom prst="rect">
+            <a:avLst/>
+          </a:prstGeom>
+          <a:noFill/>
+          <a:ln>
+            <a:noFill/>
+          </a:ln>
+          <a:effectLst/>
+          <a:extLst>
+            <a:ext uri="{909E8E84-426E-40DD-AFC4-6F175D3DCCD1}">
+              <a14:hiddenFill xmlns:a14="http://schemas.microsoft.com/office/drawing/2010/main">
+                <a:solidFill>
+                  <a:srgbClr val="FFFFFF"/>
+                </a:solidFill>
+              </a14:hiddenFill>
+            </a:ext>
+            <a:ext uri="{91240B29-F687-4F45-9708-019B960494DF}">
+              <a14:hiddenLine xmlns:a14="http://schemas.microsoft.com/office/drawing/2010/main" w="9525">
+                <a:solidFill>
+                  <a:srgbClr val="000000"/>
+                </a:solidFill>
+                <a:miter lim="800000"/>
+                <a:headEnd/>
+                <a:tailEnd/>
+              </a14:hiddenLine>
+            </a:ext>
+            <a:ext uri="{AF507438-7753-43E0-B8FC-AC1667EBCBE1}">
+              <a14:hiddenEffects xmlns:a14="http://schemas.microsoft.com/office/drawing/2010/main">
+                <a:effectLst>
+                  <a:outerShdw dist="35921" dir="2700000" algn="ctr" rotWithShape="0">
+                    <a:srgbClr val="808080"/>
+                  </a:outerShdw>
+                </a:effectLst>
+              </a14:hiddenEffects>
+            </a:ext>
+          </a:extLst>
+        </p:spPr>
+      </p:pic>
     </p:spTree>
   </p:cSld>
   <p:clrMapOvr>
     <a:masterClrMapping/>
   </p:clrMapOvr>
+  <p:timing>
+    <p:tnLst>
+      <p:par>
+        <p:cTn id="1" dur="indefinite" restart="never" nodeType="tmRoot">
+          <p:childTnLst>
+            <p:seq concurrent="1" nextAc="seek">
+              <p:cTn id="2" dur="indefinite" nodeType="mainSeq">
+                <p:childTnLst>
+                  <p:par>
+                    <p:cTn id="3" fill="hold" nodeType="clickPar">
+                      <p:stCondLst>
+                        <p:cond delay="indefinite"/>
+                      </p:stCondLst>
+                      <p:childTnLst>
+                        <p:par>
+                          <p:cTn id="4" fill="hold" nodeType="withGroup">
+                            <p:stCondLst>
+                              <p:cond delay="0"/>
+                            </p:stCondLst>
+                            <p:childTnLst>
+                              <p:par>
+                                <p:cTn id="5" presetID="10" presetClass="entr" presetSubtype="0" fill="hold" nodeType="clickEffect">
+                                  <p:stCondLst>
+                                    <p:cond delay="0"/>
+                                  </p:stCondLst>
+                                  <p:childTnLst>
+                                    <p:set>
+                                      <p:cBhvr>
+                                        <p:cTn id="6" dur="1" fill="hold">
+                                          <p:stCondLst>
+                                            <p:cond delay="0"/>
+                                          </p:stCondLst>
+                                        </p:cTn>
+                                        <p:tgtEl>
+                                          <p:spTgt spid="729091"/>
+                                        </p:tgtEl>
+                                        <p:attrNameLst>
+                                          <p:attrName>style.visibility</p:attrName>
+                                        </p:attrNameLst>
+                                      </p:cBhvr>
+                                      <p:to>
+                                        <p:strVal val="visible"/>
+                                      </p:to>
+                                    </p:set>
+                                    <p:animEffect transition="in" filter="fade">
+                                      <p:cBhvr>
+                                        <p:cTn id="7" dur="500"/>
+                                        <p:tgtEl>
+                                          <p:spTgt spid="729091"/>
+                                        </p:tgtEl>
+                                      </p:cBhvr>
+                                    </p:animEffect>
+                                  </p:childTnLst>
+                                </p:cTn>
+                              </p:par>
+                            </p:childTnLst>
+                          </p:cTn>
+                        </p:par>
+                      </p:childTnLst>
+                    </p:cTn>
+                  </p:par>
+                </p:childTnLst>
+              </p:cTn>
+              <p:prevCondLst>
+                <p:cond evt="onPrev" delay="0">
+                  <p:tgtEl>
+                    <p:sldTgt/>
+                  </p:tgtEl>
+                </p:cond>
+              </p:prevCondLst>
+              <p:nextCondLst>
+                <p:cond evt="onNext" delay="0">
+                  <p:tgtEl>
+                    <p:sldTgt/>
+                  </p:tgtEl>
+                </p:cond>
+              </p:nextCondLst>
+            </p:seq>
+          </p:childTnLst>
+        </p:cTn>
+      </p:par>
+    </p:tnLst>
+  </p:timing>
 </p:sld>
 </file>
 
